--- a/presentation/project2_presentation_individual.pptx
+++ b/presentation/project2_presentation_individual.pptx
@@ -855,7 +855,12 @@
             <p:ph type="sldImg"/>
           </p:nvPr>
         </p:nvSpPr>
-        <p:spPr/>
+        <p:spPr>
+          <a:xfrm>
+            <a:off x="381000" y="685800"/>
+            <a:ext cx="6096000" cy="3429000"/>
+          </a:xfrm>
+        </p:spPr>
       </p:sp>
       <p:sp>
         <p:nvSpPr>
@@ -881,11 +886,7 @@
             </a:r>
             <a:r>
               <a:rPr lang="en-US" baseline="0" dirty="0" smtClean="0"/>
-              <a:t> graphs plot the MSE against number of predictors. </a:t>
-            </a:r>
-            <a:r>
-              <a:rPr lang="en-US" baseline="0" dirty="0" smtClean="0"/>
-              <a:t>The top graph shows all 106 non-zero predictors, and the bottom graph zooms into the top 50 predictors to better </a:t>
+              <a:t> graphs plot the MSE against number of predictors. The top graph shows all 106 non-zero predictors, and the bottom graph zooms into the top 50 predictors to better </a:t>
             </a:r>
             <a:r>
               <a:rPr lang="en-US" baseline="0" dirty="0" err="1" smtClean="0"/>
@@ -6789,36 +6790,6 @@
           </a:p>
         </p:txBody>
       </p:sp>
-      <p:pic>
-        <p:nvPicPr>
-          <p:cNvPr id="7" name="Picture 6"/>
-          <p:cNvPicPr>
-            <a:picLocks noChangeAspect="1"/>
-          </p:cNvPicPr>
-          <p:nvPr/>
-        </p:nvPicPr>
-        <p:blipFill>
-          <a:blip r:embed="rId3">
-            <a:extLst>
-              <a:ext uri="{28A0092B-C50C-407E-A947-70E740481C1C}">
-                <a14:useLocalDpi xmlns:a14="http://schemas.microsoft.com/office/drawing/2010/main" val="0"/>
-              </a:ext>
-            </a:extLst>
-          </a:blip>
-          <a:stretch>
-            <a:fillRect/>
-          </a:stretch>
-        </p:blipFill>
-        <p:spPr>
-          <a:xfrm>
-            <a:off x="2753550" y="0"/>
-            <a:ext cx="5995358" cy="5143500"/>
-          </a:xfrm>
-          <a:prstGeom prst="rect">
-            <a:avLst/>
-          </a:prstGeom>
-        </p:spPr>
-      </p:pic>
       <p:sp>
         <p:nvSpPr>
           <p:cNvPr id="8" name="Title 1"/>
@@ -7090,6 +7061,36 @@
           </a:p>
         </p:txBody>
       </p:sp>
+      <p:pic>
+        <p:nvPicPr>
+          <p:cNvPr id="3" name="Picture 2"/>
+          <p:cNvPicPr>
+            <a:picLocks noChangeAspect="1"/>
+          </p:cNvPicPr>
+          <p:nvPr/>
+        </p:nvPicPr>
+        <p:blipFill>
+          <a:blip r:embed="rId3">
+            <a:extLst>
+              <a:ext uri="{28A0092B-C50C-407E-A947-70E740481C1C}">
+                <a14:useLocalDpi xmlns:a14="http://schemas.microsoft.com/office/drawing/2010/main" val="0"/>
+              </a:ext>
+            </a:extLst>
+          </a:blip>
+          <a:stretch>
+            <a:fillRect/>
+          </a:stretch>
+        </p:blipFill>
+        <p:spPr>
+          <a:xfrm>
+            <a:off x="2879046" y="0"/>
+            <a:ext cx="5995358" cy="5143500"/>
+          </a:xfrm>
+          <a:prstGeom prst="rect">
+            <a:avLst/>
+          </a:prstGeom>
+        </p:spPr>
+      </p:pic>
     </p:spTree>
     <p:extLst>
       <p:ext uri="{BB962C8B-B14F-4D97-AF65-F5344CB8AC3E}">
@@ -7127,41 +7128,9 @@
           <a:chExt cx="0" cy="0"/>
         </a:xfrm>
       </p:grpSpPr>
-      <p:sp>
-        <p:nvSpPr>
-          <p:cNvPr id="2" name="Slide Number Placeholder 1"/>
-          <p:cNvSpPr>
-            <a:spLocks noGrp="1"/>
-          </p:cNvSpPr>
-          <p:nvPr>
-            <p:ph type="sldNum" idx="12"/>
-          </p:nvPr>
-        </p:nvSpPr>
-        <p:spPr/>
-        <p:txBody>
-          <a:bodyPr/>
-          <a:lstStyle/>
-          <a:p>
-            <a:pPr marL="0" lvl="0" indent="0" algn="r" rtl="0">
-              <a:spcBef>
-                <a:spcPts val="0"/>
-              </a:spcBef>
-              <a:spcAft>
-                <a:spcPts val="0"/>
-              </a:spcAft>
-              <a:buNone/>
-            </a:pPr>
-            <a:fld id="{00000000-1234-1234-1234-123412341234}" type="slidenum">
-              <a:rPr lang="en-GB" smtClean="0"/>
-              <a:t>11</a:t>
-            </a:fld>
-            <a:endParaRPr lang="en-GB"/>
-          </a:p>
-        </p:txBody>
-      </p:sp>
       <p:pic>
         <p:nvPicPr>
-          <p:cNvPr id="5" name="Picture 4"/>
+          <p:cNvPr id="4" name="Picture 3"/>
           <p:cNvPicPr>
             <a:picLocks noChangeAspect="1"/>
           </p:cNvPicPr>
@@ -7181,14 +7150,46 @@
         </p:blipFill>
         <p:spPr>
           <a:xfrm>
-            <a:off x="0" y="266700"/>
-            <a:ext cx="9144000" cy="4600441"/>
+            <a:off x="0" y="89198"/>
+            <a:ext cx="9144000" cy="5092390"/>
           </a:xfrm>
           <a:prstGeom prst="rect">
             <a:avLst/>
           </a:prstGeom>
         </p:spPr>
       </p:pic>
+      <p:sp>
+        <p:nvSpPr>
+          <p:cNvPr id="2" name="Slide Number Placeholder 1"/>
+          <p:cNvSpPr>
+            <a:spLocks noGrp="1"/>
+          </p:cNvSpPr>
+          <p:nvPr>
+            <p:ph type="sldNum" idx="12"/>
+          </p:nvPr>
+        </p:nvSpPr>
+        <p:spPr/>
+        <p:txBody>
+          <a:bodyPr/>
+          <a:lstStyle/>
+          <a:p>
+            <a:pPr marL="0" lvl="0" indent="0" algn="r" rtl="0">
+              <a:spcBef>
+                <a:spcPts val="0"/>
+              </a:spcBef>
+              <a:spcAft>
+                <a:spcPts val="0"/>
+              </a:spcAft>
+              <a:buNone/>
+            </a:pPr>
+            <a:fld id="{00000000-1234-1234-1234-123412341234}" type="slidenum">
+              <a:rPr lang="en-GB" smtClean="0"/>
+              <a:t>11</a:t>
+            </a:fld>
+            <a:endParaRPr lang="en-GB"/>
+          </a:p>
+        </p:txBody>
+      </p:sp>
       <p:sp>
         <p:nvSpPr>
           <p:cNvPr id="6" name="Rectangle 5"/>

--- a/presentation/project2_presentation_individual.pptx
+++ b/presentation/project2_presentation_individual.pptx
@@ -8254,7 +8254,19 @@
             </a:pPr>
             <a:r>
               <a:rPr lang="en-US" dirty="0" smtClean="0"/>
-              <a:t>Using a linear regression model, this project aims to answer the following questions:</a:t>
+              <a:t>Using </a:t>
+            </a:r>
+            <a:r>
+              <a:rPr lang="en-US" smtClean="0"/>
+              <a:t>a </a:t>
+            </a:r>
+            <a:r>
+              <a:rPr lang="en-US" smtClean="0"/>
+              <a:t>regression </a:t>
+            </a:r>
+            <a:r>
+              <a:rPr lang="en-US" dirty="0" smtClean="0"/>
+              <a:t>model, this project aims to answer the following questions:</a:t>
             </a:r>
             <a:endParaRPr lang="en-US" dirty="0"/>
           </a:p>

--- a/presentation/project2_presentation_individual.pptx
+++ b/presentation/project2_presentation_individual.pptx
@@ -8254,14 +8254,10 @@
             </a:pPr>
             <a:r>
               <a:rPr lang="en-US" dirty="0" smtClean="0"/>
-              <a:t>Using </a:t>
+              <a:t>Using a </a:t>
             </a:r>
             <a:r>
-              <a:rPr lang="en-US" smtClean="0"/>
-              <a:t>a </a:t>
-            </a:r>
-            <a:r>
-              <a:rPr lang="en-US" smtClean="0"/>
+              <a:rPr lang="en-US" dirty="0" smtClean="0"/>
               <a:t>regression </a:t>
             </a:r>
             <a:r>
